--- a/Pubs/ICCPS2017/figures/ATC_Example.pptx
+++ b/Pubs/ICCPS2017/figures/ATC_Example.pptx
@@ -859,7 +859,7 @@
                 </a:solidFill>
               </a:rPr>
               <a:pPr/>
-              <a:t>10/12/2016</a:t>
+              <a:t>10/13/2016</a:t>
             </a:fld>
             <a:endParaRPr lang="en-US" dirty="0">
               <a:solidFill>
@@ -1148,7 +1148,7 @@
                 </a:solidFill>
               </a:rPr>
               <a:pPr/>
-              <a:t>10/12/2016</a:t>
+              <a:t>10/13/2016</a:t>
             </a:fld>
             <a:endParaRPr lang="en-US" dirty="0">
               <a:solidFill>
@@ -1500,7 +1500,7 @@
                 </a:solidFill>
               </a:rPr>
               <a:pPr/>
-              <a:t>10/12/2016</a:t>
+              <a:t>10/13/2016</a:t>
             </a:fld>
             <a:endParaRPr lang="en-US" dirty="0">
               <a:solidFill>
@@ -1869,7 +1869,7 @@
                 </a:solidFill>
               </a:rPr>
               <a:pPr/>
-              <a:t>10/12/2016</a:t>
+              <a:t>10/13/2016</a:t>
             </a:fld>
             <a:endParaRPr lang="en-US" dirty="0">
               <a:solidFill>
@@ -2221,7 +2221,7 @@
                 </a:solidFill>
               </a:rPr>
               <a:pPr/>
-              <a:t>10/12/2016</a:t>
+              <a:t>10/13/2016</a:t>
             </a:fld>
             <a:endParaRPr lang="en-US" dirty="0">
               <a:solidFill>
@@ -2650,7 +2650,7 @@
                 </a:solidFill>
               </a:rPr>
               <a:pPr/>
-              <a:t>10/12/2016</a:t>
+              <a:t>10/13/2016</a:t>
             </a:fld>
             <a:endParaRPr lang="en-US" dirty="0">
               <a:solidFill>
@@ -2858,7 +2858,7 @@
                 </a:solidFill>
               </a:rPr>
               <a:pPr/>
-              <a:t>10/12/2016</a:t>
+              <a:t>10/13/2016</a:t>
             </a:fld>
             <a:endParaRPr lang="en-US" dirty="0">
               <a:solidFill>
@@ -3076,7 +3076,7 @@
                 </a:solidFill>
               </a:rPr>
               <a:pPr/>
-              <a:t>10/12/2016</a:t>
+              <a:t>10/13/2016</a:t>
             </a:fld>
             <a:endParaRPr lang="en-US" dirty="0">
               <a:solidFill>
@@ -3284,7 +3284,7 @@
                 </a:solidFill>
               </a:rPr>
               <a:pPr/>
-              <a:t>10/12/2016</a:t>
+              <a:t>10/13/2016</a:t>
             </a:fld>
             <a:endParaRPr lang="en-US" dirty="0">
               <a:solidFill>
@@ -3569,7 +3569,7 @@
                 </a:solidFill>
               </a:rPr>
               <a:pPr/>
-              <a:t>10/12/2016</a:t>
+              <a:t>10/13/2016</a:t>
             </a:fld>
             <a:endParaRPr lang="en-US" dirty="0">
               <a:solidFill>
@@ -3839,7 +3839,7 @@
                 </a:solidFill>
               </a:rPr>
               <a:pPr/>
-              <a:t>10/12/2016</a:t>
+              <a:t>10/13/2016</a:t>
             </a:fld>
             <a:endParaRPr lang="en-US" dirty="0">
               <a:solidFill>
@@ -4251,7 +4251,7 @@
                 </a:solidFill>
               </a:rPr>
               <a:pPr/>
-              <a:t>10/12/2016</a:t>
+              <a:t>10/13/2016</a:t>
             </a:fld>
             <a:endParaRPr lang="en-US" dirty="0">
               <a:solidFill>
@@ -4412,7 +4412,7 @@
                 </a:solidFill>
               </a:rPr>
               <a:pPr/>
-              <a:t>10/12/2016</a:t>
+              <a:t>10/13/2016</a:t>
             </a:fld>
             <a:endParaRPr lang="en-US" dirty="0">
               <a:solidFill>
@@ -4545,7 +4545,7 @@
                 </a:solidFill>
               </a:rPr>
               <a:pPr/>
-              <a:t>10/12/2016</a:t>
+              <a:t>10/13/2016</a:t>
             </a:fld>
             <a:endParaRPr lang="en-US" dirty="0">
               <a:solidFill>
@@ -4838,7 +4838,7 @@
                 </a:solidFill>
               </a:rPr>
               <a:pPr/>
-              <a:t>10/12/2016</a:t>
+              <a:t>10/13/2016</a:t>
             </a:fld>
             <a:endParaRPr lang="en-US" dirty="0">
               <a:solidFill>
@@ -5206,7 +5206,7 @@
                 </a:solidFill>
               </a:rPr>
               <a:pPr/>
-              <a:t>10/12/2016</a:t>
+              <a:t>10/13/2016</a:t>
             </a:fld>
             <a:endParaRPr lang="en-US" dirty="0">
               <a:solidFill>
@@ -5922,7 +5922,7 @@
                 </a:solidFill>
               </a:rPr>
               <a:pPr defTabSz="457200"/>
-              <a:t>10/12/2016</a:t>
+              <a:t>10/13/2016</a:t>
             </a:fld>
             <a:endParaRPr lang="en-US" dirty="0">
               <a:solidFill>
@@ -12153,7 +12153,9 @@
             <a:avLst/>
           </a:prstGeom>
           <a:solidFill>
-            <a:srgbClr val="FF0000"/>
+            <a:schemeClr val="bg1">
+              <a:lumMod val="75000"/>
+            </a:schemeClr>
           </a:solidFill>
         </p:spPr>
         <p:style>
@@ -12178,14 +12180,14 @@
           <a:p>
             <a:pPr algn="ctr"/>
             <a:r>
-              <a:rPr lang="en-US" sz="2400" dirty="0" smtClean="0">
+              <a:rPr lang="en-US" sz="3200" dirty="0" smtClean="0">
                 <a:solidFill>
                   <a:schemeClr val="tx1"/>
                 </a:solidFill>
               </a:rPr>
               <a:t>1</a:t>
             </a:r>
-            <a:endParaRPr lang="en-US" sz="2400" dirty="0">
+            <a:endParaRPr lang="en-US" sz="3200" dirty="0">
               <a:solidFill>
                 <a:schemeClr val="tx1"/>
               </a:solidFill>
@@ -12246,7 +12248,9 @@
             <a:avLst/>
           </a:prstGeom>
           <a:solidFill>
-            <a:srgbClr val="FF0000"/>
+            <a:schemeClr val="bg1">
+              <a:lumMod val="75000"/>
+            </a:schemeClr>
           </a:solidFill>
         </p:spPr>
         <p:style>
@@ -12271,18 +12275,13 @@
           <a:p>
             <a:pPr algn="ctr"/>
             <a:r>
-              <a:rPr lang="en-US" sz="2400" dirty="0">
+              <a:rPr lang="en-US" sz="3200" dirty="0">
                 <a:solidFill>
                   <a:schemeClr val="tx1"/>
                 </a:solidFill>
               </a:rPr>
               <a:t>2</a:t>
             </a:r>
-            <a:endParaRPr lang="en-US" sz="2400" dirty="0">
-              <a:solidFill>
-                <a:schemeClr val="tx1"/>
-              </a:solidFill>
-            </a:endParaRPr>
           </a:p>
         </p:txBody>
       </p:sp>
@@ -12339,7 +12338,9 @@
             <a:avLst/>
           </a:prstGeom>
           <a:solidFill>
-            <a:srgbClr val="FF0000"/>
+            <a:schemeClr val="bg1">
+              <a:lumMod val="75000"/>
+            </a:schemeClr>
           </a:solidFill>
         </p:spPr>
         <p:style>
@@ -12364,14 +12365,14 @@
           <a:p>
             <a:pPr algn="ctr"/>
             <a:r>
-              <a:rPr lang="en-US" sz="2400" dirty="0" smtClean="0">
+              <a:rPr lang="en-US" sz="3200" dirty="0" smtClean="0">
                 <a:solidFill>
                   <a:schemeClr val="tx1"/>
                 </a:solidFill>
               </a:rPr>
               <a:t>3</a:t>
             </a:r>
-            <a:endParaRPr lang="en-US" sz="2400" dirty="0">
+            <a:endParaRPr lang="en-US" sz="3200" dirty="0">
               <a:solidFill>
                 <a:schemeClr val="tx1"/>
               </a:solidFill>
@@ -12432,7 +12433,9 @@
             <a:avLst/>
           </a:prstGeom>
           <a:solidFill>
-            <a:srgbClr val="FF0000"/>
+            <a:schemeClr val="bg1">
+              <a:lumMod val="75000"/>
+            </a:schemeClr>
           </a:solidFill>
         </p:spPr>
         <p:style>
@@ -12457,18 +12460,13 @@
           <a:p>
             <a:pPr algn="ctr"/>
             <a:r>
-              <a:rPr lang="en-US" sz="2400" dirty="0">
+              <a:rPr lang="en-US" sz="3200" dirty="0">
                 <a:solidFill>
                   <a:schemeClr val="tx1"/>
                 </a:solidFill>
               </a:rPr>
               <a:t>6</a:t>
             </a:r>
-            <a:endParaRPr lang="en-US" sz="2400" dirty="0">
-              <a:solidFill>
-                <a:schemeClr val="tx1"/>
-              </a:solidFill>
-            </a:endParaRPr>
           </a:p>
         </p:txBody>
       </p:sp>
@@ -12525,7 +12523,9 @@
             <a:avLst/>
           </a:prstGeom>
           <a:solidFill>
-            <a:srgbClr val="FF0000"/>
+            <a:schemeClr val="bg1">
+              <a:lumMod val="75000"/>
+            </a:schemeClr>
           </a:solidFill>
         </p:spPr>
         <p:style>
@@ -12550,14 +12550,14 @@
           <a:p>
             <a:pPr algn="ctr"/>
             <a:r>
-              <a:rPr lang="en-US" sz="2400" dirty="0" smtClean="0">
+              <a:rPr lang="en-US" sz="3200" dirty="0" smtClean="0">
                 <a:solidFill>
                   <a:schemeClr val="tx1"/>
                 </a:solidFill>
               </a:rPr>
               <a:t>4</a:t>
             </a:r>
-            <a:endParaRPr lang="en-US" sz="2400" dirty="0">
+            <a:endParaRPr lang="en-US" sz="3200" dirty="0">
               <a:solidFill>
                 <a:schemeClr val="tx1"/>
               </a:solidFill>
@@ -12618,7 +12618,9 @@
             <a:avLst/>
           </a:prstGeom>
           <a:solidFill>
-            <a:srgbClr val="FF0000"/>
+            <a:schemeClr val="bg1">
+              <a:lumMod val="75000"/>
+            </a:schemeClr>
           </a:solidFill>
         </p:spPr>
         <p:style>
@@ -12643,14 +12645,14 @@
           <a:p>
             <a:pPr algn="ctr"/>
             <a:r>
-              <a:rPr lang="en-US" sz="2400" dirty="0" smtClean="0">
+              <a:rPr lang="en-US" sz="3200" dirty="0" smtClean="0">
                 <a:solidFill>
                   <a:schemeClr val="tx1"/>
                 </a:solidFill>
               </a:rPr>
               <a:t>5</a:t>
             </a:r>
-            <a:endParaRPr lang="en-US" sz="2400" dirty="0">
+            <a:endParaRPr lang="en-US" sz="3200" dirty="0">
               <a:solidFill>
                 <a:schemeClr val="tx1"/>
               </a:solidFill>
@@ -12711,7 +12713,9 @@
             <a:avLst/>
           </a:prstGeom>
           <a:solidFill>
-            <a:srgbClr val="FF0000"/>
+            <a:schemeClr val="bg1">
+              <a:lumMod val="75000"/>
+            </a:schemeClr>
           </a:solidFill>
         </p:spPr>
         <p:style>
@@ -12736,18 +12740,13 @@
           <a:p>
             <a:pPr algn="ctr"/>
             <a:r>
-              <a:rPr lang="en-US" sz="2400" dirty="0">
+              <a:rPr lang="en-US" sz="3200" dirty="0">
                 <a:solidFill>
                   <a:schemeClr val="tx1"/>
                 </a:solidFill>
               </a:rPr>
               <a:t>8</a:t>
             </a:r>
-            <a:endParaRPr lang="en-US" sz="2400" dirty="0">
-              <a:solidFill>
-                <a:schemeClr val="tx1"/>
-              </a:solidFill>
-            </a:endParaRPr>
           </a:p>
         </p:txBody>
       </p:sp>
@@ -12804,7 +12803,9 @@
             <a:avLst/>
           </a:prstGeom>
           <a:solidFill>
-            <a:srgbClr val="FF0000"/>
+            <a:schemeClr val="bg1">
+              <a:lumMod val="75000"/>
+            </a:schemeClr>
           </a:solidFill>
         </p:spPr>
         <p:style>
@@ -12829,14 +12830,14 @@
           <a:p>
             <a:pPr algn="ctr"/>
             <a:r>
-              <a:rPr lang="en-US" sz="2400" dirty="0" smtClean="0">
+              <a:rPr lang="en-US" sz="3200" dirty="0" smtClean="0">
                 <a:solidFill>
                   <a:schemeClr val="tx1"/>
                 </a:solidFill>
               </a:rPr>
               <a:t>7</a:t>
             </a:r>
-            <a:endParaRPr lang="en-US" sz="2400" dirty="0">
+            <a:endParaRPr lang="en-US" sz="3200" dirty="0">
               <a:solidFill>
                 <a:schemeClr val="tx1"/>
               </a:solidFill>
@@ -13165,7 +13166,7 @@
   <a:extraClrSchemeLst/>
   <a:extLst>
     <a:ext uri="{05A4C25C-085E-4340-85A3-A5531E510DB2}">
-      <thm15:themeFamily xmlns:thm15="http://schemas.microsoft.com/office/thememl/2012/main" xmlns="" name="Facet" id="{C0C680CD-088A-49FC-A102-D699147F32B2}" vid="{0B5AB586-D108-4FC1-8368-649FE654B894}"/>
+      <thm15:themeFamily xmlns="" xmlns:thm15="http://schemas.microsoft.com/office/thememl/2012/main" name="Facet" id="{C0C680CD-088A-49FC-A102-D699147F32B2}" vid="{0B5AB586-D108-4FC1-8368-649FE654B894}"/>
     </a:ext>
   </a:extLst>
 </a:theme>
